--- a/presentation/Presentation.pptx
+++ b/presentation/Presentation.pptx
@@ -4229,7 +4229,14 @@
             </a:r>
             <a:r>
               <a:rPr lang="en-US" dirty="0"/>
-              <a:t> tutorials about doing simple string comparison and bit string comparison. Essentially, we could use this for global sequence alignment. We could explore encoding longer sequences such that they can be compared with a limited number of qubits, or we could try to adapt this into a more beginner-friendly local alignment tutorial.</a:t>
+              <a:t> tutorials about doing simple string comparison and bit string comparison. Essentially, we could use this for global sequence alignment. </a:t>
+            </a:r>
+          </a:p>
+          <a:p>
+            <a:pPr lvl="1" fontAlgn="base"/>
+            <a:r>
+              <a:rPr lang="en-US" dirty="0"/>
+              <a:t>We could explore encoding longer sequences such that they can be compared with a limited number of qubits, or we could try to adapt this into a more beginner-friendly local alignment tutorial.</a:t>
             </a:r>
           </a:p>
           <a:p>
@@ -4594,8 +4601,8 @@
           </a:p>
         </p:txBody>
       </p:sp>
-      <mc:AlternateContent xmlns:mc="http://schemas.openxmlformats.org/markup-compatibility/2006">
-        <mc:Choice xmlns:a14="http://schemas.microsoft.com/office/drawing/2010/main" Requires="a14">
+      <mc:AlternateContent xmlns:mc="http://schemas.openxmlformats.org/markup-compatibility/2006" xmlns:a14="http://schemas.microsoft.com/office/drawing/2010/main">
+        <mc:Choice Requires="a14">
           <p:sp>
             <p:nvSpPr>
               <p:cNvPr id="3" name="Content Placeholder 2">
@@ -4786,7 +4793,7 @@
             </p:txBody>
           </p:sp>
         </mc:Choice>
-        <mc:Fallback>
+        <mc:Fallback xmlns="">
           <p:sp>
             <p:nvSpPr>
               <p:cNvPr id="3" name="Content Placeholder 2">
@@ -5155,8 +5162,8 @@
           </a:p>
         </p:txBody>
       </p:sp>
-      <mc:AlternateContent xmlns:mc="http://schemas.openxmlformats.org/markup-compatibility/2006">
-        <mc:Choice xmlns:a14="http://schemas.microsoft.com/office/drawing/2010/main" Requires="a14">
+      <mc:AlternateContent xmlns:mc="http://schemas.openxmlformats.org/markup-compatibility/2006" xmlns:a14="http://schemas.microsoft.com/office/drawing/2010/main">
+        <mc:Choice Requires="a14">
           <p:sp>
             <p:nvSpPr>
               <p:cNvPr id="3" name="Content Placeholder 2">
@@ -5354,7 +5361,7 @@
             </p:txBody>
           </p:sp>
         </mc:Choice>
-        <mc:Fallback>
+        <mc:Fallback xmlns="">
           <p:sp>
             <p:nvSpPr>
               <p:cNvPr id="3" name="Content Placeholder 2">
@@ -5586,7 +5593,7 @@
                 </a14:m>
                 <a:r>
                   <a:rPr lang="en-US" dirty="0"/>
-                  <a:t>&gt; of all points</a:t>
+                  <a:t>&gt; of all points.</a:t>
                 </a:r>
               </a:p>
               <a:p>
@@ -5624,7 +5631,7 @@
                 <a:pPr lvl="1" fontAlgn="base"/>
                 <a:r>
                   <a:rPr lang="en-US" dirty="0"/>
-                  <a:t>Assume an ideal black box was adopted</a:t>
+                  <a:t>Assume an ideal black box was adopted.</a:t>
                 </a:r>
                 <a:endParaRPr lang="en-US" sz="1800" dirty="0"/>
               </a:p>
@@ -5828,8 +5835,8 @@
           </a:p>
         </p:txBody>
       </p:sp>
-      <mc:AlternateContent xmlns:mc="http://schemas.openxmlformats.org/markup-compatibility/2006">
-        <mc:Choice xmlns:a14="http://schemas.microsoft.com/office/drawing/2010/main" Requires="a14">
+      <mc:AlternateContent xmlns:mc="http://schemas.openxmlformats.org/markup-compatibility/2006" xmlns:a14="http://schemas.microsoft.com/office/drawing/2010/main">
+        <mc:Choice Requires="a14">
           <p:sp>
             <p:nvSpPr>
               <p:cNvPr id="3" name="Content Placeholder 2">
@@ -5959,7 +5966,7 @@
             </p:txBody>
           </p:sp>
         </mc:Choice>
-        <mc:Fallback>
+        <mc:Fallback xmlns="">
           <p:sp>
             <p:nvSpPr>
               <p:cNvPr id="3" name="Content Placeholder 2">
@@ -6192,7 +6199,25 @@
                 <a:pPr lvl="1" fontAlgn="base"/>
                 <a:r>
                   <a:rPr lang="en-US" dirty="0"/>
-                  <a:t>Much of what comes later in the paper, for example measuring the superposition state psi and applying the QFT was beyond our current knowledge. We feel that we need stronger quantum backgrounds in order to be effective, at least in this domain.</a:t>
+                  <a:t>Much of what comes later in the paper, for example measuring the superposition state |</a:t>
+                </a:r>
+                <a14:m>
+                  <m:oMath xmlns:m="http://schemas.openxmlformats.org/officeDocument/2006/math">
+                    <m:r>
+                      <m:rPr>
+                        <m:sty m:val="p"/>
+                      </m:rPr>
+                      <a:rPr lang="el-GR" i="1">
+                        <a:latin typeface="Cambria Math" panose="02040503050406030204" pitchFamily="18" charset="0"/>
+                        <a:ea typeface="Cambria Math" panose="02040503050406030204" pitchFamily="18" charset="0"/>
+                      </a:rPr>
+                      <m:t>Ψ</m:t>
+                    </m:r>
+                  </m:oMath>
+                </a14:m>
+                <a:r>
+                  <a:rPr lang="en-US" dirty="0"/>
+                  <a:t>&gt; and applying the QFT was beyond our current knowledge. We feel that we need stronger quantum backgrounds in order to be effective, at least in this domain.</a:t>
                 </a:r>
               </a:p>
               <a:p>
@@ -6222,7 +6247,7 @@
               <a:blipFill>
                 <a:blip r:embed="rId2"/>
                 <a:stretch>
-                  <a:fillRect l="-844" t="-2924"/>
+                  <a:fillRect l="-844" t="-2924" r="-483"/>
                 </a:stretch>
               </a:blipFill>
             </p:spPr>

--- a/presentation/Presentation.pptx
+++ b/presentation/Presentation.pptx
@@ -5098,6 +5098,14 @@
             <a:endParaRPr lang="en-US" sz="1800" dirty="0"/>
           </a:p>
           <a:p>
+            <a:r>
+              <a:rPr lang="en-US" dirty="0"/>
+              <a:t>Quantum algorithms could potentially yield significant reductions in </a:t>
+            </a:r>
+            <a:r>
+              <a:rPr lang="en-US"/>
+              <a:t>both time and space</a:t>
+            </a:r>
             <a:endParaRPr lang="en-US" dirty="0"/>
           </a:p>
         </p:txBody>

--- a/presentation/Presentation.pptx
+++ b/presentation/Presentation.pptx
@@ -4229,7 +4229,15 @@
             </a:r>
             <a:r>
               <a:rPr lang="en-US" dirty="0"/>
-              <a:t> tutorials about doing simple string comparison and bit string comparison. Essentially, we could use this for global sequence alignment. </a:t>
+              <a:t> tutorials for doing simple string comparison and bit string comparison. Essentially, we could </a:t>
+            </a:r>
+            <a:r>
+              <a:rPr lang="en-US"/>
+              <a:t>use these </a:t>
+            </a:r>
+            <a:r>
+              <a:rPr lang="en-US" dirty="0"/>
+              <a:t>for global sequence alignment. </a:t>
             </a:r>
           </a:p>
           <a:p>
@@ -5100,13 +5108,8 @@
           <a:p>
             <a:r>
               <a:rPr lang="en-US" dirty="0"/>
-              <a:t>Quantum algorithms could potentially yield significant reductions in </a:t>
-            </a:r>
-            <a:r>
-              <a:rPr lang="en-US"/>
-              <a:t>both time and space</a:t>
-            </a:r>
-            <a:endParaRPr lang="en-US" dirty="0"/>
+              <a:t>Quantum algorithms could potentially yield significant reductions in both time and space</a:t>
+            </a:r>
           </a:p>
         </p:txBody>
       </p:sp>

--- a/presentation/Presentation.pptx
+++ b/presentation/Presentation.pptx
@@ -207,7 +207,7 @@
           <a:p>
             <a:fld id="{FD1487A3-50F6-AC4F-B3F5-1A7E6BD4A1DC}" type="datetimeFigureOut">
               <a:rPr lang="en-US" smtClean="0"/>
-              <a:t>6/30/20</a:t>
+              <a:t>7/1/20</a:t>
             </a:fld>
             <a:endParaRPr lang="en-US"/>
           </a:p>
@@ -871,7 +871,7 @@
           <a:p>
             <a:fld id="{27565DEB-65F6-4A49-A3B7-0A4D81EFD7BA}" type="datetimeFigureOut">
               <a:rPr lang="en-US" smtClean="0"/>
-              <a:t>6/30/20</a:t>
+              <a:t>7/1/20</a:t>
             </a:fld>
             <a:endParaRPr lang="en-US"/>
           </a:p>
@@ -1069,7 +1069,7 @@
           <a:p>
             <a:fld id="{27565DEB-65F6-4A49-A3B7-0A4D81EFD7BA}" type="datetimeFigureOut">
               <a:rPr lang="en-US" smtClean="0"/>
-              <a:t>6/30/20</a:t>
+              <a:t>7/1/20</a:t>
             </a:fld>
             <a:endParaRPr lang="en-US"/>
           </a:p>
@@ -1277,7 +1277,7 @@
           <a:p>
             <a:fld id="{27565DEB-65F6-4A49-A3B7-0A4D81EFD7BA}" type="datetimeFigureOut">
               <a:rPr lang="en-US" smtClean="0"/>
-              <a:t>6/30/20</a:t>
+              <a:t>7/1/20</a:t>
             </a:fld>
             <a:endParaRPr lang="en-US"/>
           </a:p>
@@ -1475,7 +1475,7 @@
           <a:p>
             <a:fld id="{27565DEB-65F6-4A49-A3B7-0A4D81EFD7BA}" type="datetimeFigureOut">
               <a:rPr lang="en-US" smtClean="0"/>
-              <a:t>6/30/20</a:t>
+              <a:t>7/1/20</a:t>
             </a:fld>
             <a:endParaRPr lang="en-US"/>
           </a:p>
@@ -1750,7 +1750,7 @@
           <a:p>
             <a:fld id="{27565DEB-65F6-4A49-A3B7-0A4D81EFD7BA}" type="datetimeFigureOut">
               <a:rPr lang="en-US" smtClean="0"/>
-              <a:t>6/30/20</a:t>
+              <a:t>7/1/20</a:t>
             </a:fld>
             <a:endParaRPr lang="en-US"/>
           </a:p>
@@ -2015,7 +2015,7 @@
           <a:p>
             <a:fld id="{27565DEB-65F6-4A49-A3B7-0A4D81EFD7BA}" type="datetimeFigureOut">
               <a:rPr lang="en-US" smtClean="0"/>
-              <a:t>6/30/20</a:t>
+              <a:t>7/1/20</a:t>
             </a:fld>
             <a:endParaRPr lang="en-US"/>
           </a:p>
@@ -2427,7 +2427,7 @@
           <a:p>
             <a:fld id="{27565DEB-65F6-4A49-A3B7-0A4D81EFD7BA}" type="datetimeFigureOut">
               <a:rPr lang="en-US" smtClean="0"/>
-              <a:t>6/30/20</a:t>
+              <a:t>7/1/20</a:t>
             </a:fld>
             <a:endParaRPr lang="en-US"/>
           </a:p>
@@ -2568,7 +2568,7 @@
           <a:p>
             <a:fld id="{27565DEB-65F6-4A49-A3B7-0A4D81EFD7BA}" type="datetimeFigureOut">
               <a:rPr lang="en-US" smtClean="0"/>
-              <a:t>6/30/20</a:t>
+              <a:t>7/1/20</a:t>
             </a:fld>
             <a:endParaRPr lang="en-US"/>
           </a:p>
@@ -2681,7 +2681,7 @@
           <a:p>
             <a:fld id="{27565DEB-65F6-4A49-A3B7-0A4D81EFD7BA}" type="datetimeFigureOut">
               <a:rPr lang="en-US" smtClean="0"/>
-              <a:t>6/30/20</a:t>
+              <a:t>7/1/20</a:t>
             </a:fld>
             <a:endParaRPr lang="en-US"/>
           </a:p>
@@ -2992,7 +2992,7 @@
           <a:p>
             <a:fld id="{27565DEB-65F6-4A49-A3B7-0A4D81EFD7BA}" type="datetimeFigureOut">
               <a:rPr lang="en-US" smtClean="0"/>
-              <a:t>6/30/20</a:t>
+              <a:t>7/1/20</a:t>
             </a:fld>
             <a:endParaRPr lang="en-US"/>
           </a:p>
@@ -3280,7 +3280,7 @@
           <a:p>
             <a:fld id="{27565DEB-65F6-4A49-A3B7-0A4D81EFD7BA}" type="datetimeFigureOut">
               <a:rPr lang="en-US" smtClean="0"/>
-              <a:t>6/30/20</a:t>
+              <a:t>7/1/20</a:t>
             </a:fld>
             <a:endParaRPr lang="en-US"/>
           </a:p>
@@ -3521,7 +3521,7 @@
           <a:p>
             <a:fld id="{27565DEB-65F6-4A49-A3B7-0A4D81EFD7BA}" type="datetimeFigureOut">
               <a:rPr lang="en-US" smtClean="0"/>
-              <a:t>6/30/20</a:t>
+              <a:t>7/1/20</a:t>
             </a:fld>
             <a:endParaRPr lang="en-US"/>
           </a:p>
@@ -5502,8 +5502,8 @@
           </a:p>
         </p:txBody>
       </p:sp>
-      <mc:AlternateContent xmlns:mc="http://schemas.openxmlformats.org/markup-compatibility/2006">
-        <mc:Choice xmlns:a14="http://schemas.microsoft.com/office/drawing/2010/main" Requires="a14">
+      <mc:AlternateContent xmlns:mc="http://schemas.openxmlformats.org/markup-compatibility/2006" xmlns:a14="http://schemas.microsoft.com/office/drawing/2010/main">
+        <mc:Choice Requires="a14">
           <p:sp>
             <p:nvSpPr>
               <p:cNvPr id="3" name="Content Placeholder 2">
@@ -5699,7 +5699,7 @@
             </p:txBody>
           </p:sp>
         </mc:Choice>
-        <mc:Fallback>
+        <mc:Fallback xmlns="">
           <p:sp>
             <p:nvSpPr>
               <p:cNvPr id="3" name="Content Placeholder 2">
@@ -5846,8 +5846,8 @@
           </a:p>
         </p:txBody>
       </p:sp>
-      <mc:AlternateContent xmlns:mc="http://schemas.openxmlformats.org/markup-compatibility/2006" xmlns:a14="http://schemas.microsoft.com/office/drawing/2010/main">
-        <mc:Choice Requires="a14">
+      <mc:AlternateContent xmlns:mc="http://schemas.openxmlformats.org/markup-compatibility/2006">
+        <mc:Choice xmlns:a14="http://schemas.microsoft.com/office/drawing/2010/main" Requires="a14">
           <p:sp>
             <p:nvSpPr>
               <p:cNvPr id="3" name="Content Placeholder 2">
@@ -5967,7 +5967,11 @@
                 </a14:m>
                 <a:r>
                   <a:rPr lang="en-US" dirty="0"/>
-                  <a:t> will simply yield noise for non-zero values if there is no region of similarity</a:t>
+                  <a:t> will simply yield noise for non-zero values if there is no region </a:t>
+                </a:r>
+                <a:r>
+                  <a:rPr lang="en-US"/>
+                  <a:t>of similarity.</a:t>
                 </a:r>
                 <a:endParaRPr lang="en-US" sz="1800" dirty="0"/>
               </a:p>
@@ -5977,7 +5981,7 @@
             </p:txBody>
           </p:sp>
         </mc:Choice>
-        <mc:Fallback xmlns="">
+        <mc:Fallback>
           <p:sp>
             <p:nvSpPr>
               <p:cNvPr id="3" name="Content Placeholder 2">
@@ -6149,7 +6153,7 @@
               <a:p>
                 <a:r>
                   <a:rPr lang="en-US" dirty="0"/>
-                  <a:t>Transforming matrix input into linear array.</a:t>
+                  <a:t>Transforming matrix input into linear array</a:t>
                 </a:r>
               </a:p>
               <a:p>
